--- a/Gestão e Qualidade de software 03-04.pptx
+++ b/Gestão e Qualidade de software 03-04.pptx
@@ -858,7 +858,7 @@
           <a:p>
             <a:fld id="{4FC744E5-F94A-4732-87DC-5C91CC583019}" type="datetimeFigureOut">
               <a:rPr lang="pt-BR" smtClean="0"/>
-              <a:t>03/04/2022</a:t>
+              <a:t>04/04/2022</a:t>
             </a:fld>
             <a:endParaRPr lang="pt-BR"/>
           </a:p>
@@ -1109,7 +1109,7 @@
           <a:p>
             <a:fld id="{4FC744E5-F94A-4732-87DC-5C91CC583019}" type="datetimeFigureOut">
               <a:rPr lang="pt-BR" smtClean="0"/>
-              <a:t>03/04/2022</a:t>
+              <a:t>04/04/2022</a:t>
             </a:fld>
             <a:endParaRPr lang="pt-BR"/>
           </a:p>
@@ -1423,7 +1423,7 @@
           <a:p>
             <a:fld id="{4FC744E5-F94A-4732-87DC-5C91CC583019}" type="datetimeFigureOut">
               <a:rPr lang="pt-BR" smtClean="0"/>
-              <a:t>03/04/2022</a:t>
+              <a:t>04/04/2022</a:t>
             </a:fld>
             <a:endParaRPr lang="pt-BR"/>
           </a:p>
@@ -1764,7 +1764,7 @@
           <a:p>
             <a:fld id="{4FC744E5-F94A-4732-87DC-5C91CC583019}" type="datetimeFigureOut">
               <a:rPr lang="pt-BR" smtClean="0"/>
-              <a:t>03/04/2022</a:t>
+              <a:t>04/04/2022</a:t>
             </a:fld>
             <a:endParaRPr lang="pt-BR"/>
           </a:p>
@@ -2078,7 +2078,7 @@
           <a:p>
             <a:fld id="{4FC744E5-F94A-4732-87DC-5C91CC583019}" type="datetimeFigureOut">
               <a:rPr lang="pt-BR" smtClean="0"/>
-              <a:t>03/04/2022</a:t>
+              <a:t>04/04/2022</a:t>
             </a:fld>
             <a:endParaRPr lang="pt-BR"/>
           </a:p>
@@ -2471,7 +2471,7 @@
           <a:p>
             <a:fld id="{4FC744E5-F94A-4732-87DC-5C91CC583019}" type="datetimeFigureOut">
               <a:rPr lang="pt-BR" smtClean="0"/>
-              <a:t>03/04/2022</a:t>
+              <a:t>04/04/2022</a:t>
             </a:fld>
             <a:endParaRPr lang="pt-BR"/>
           </a:p>
@@ -2641,7 +2641,7 @@
           <a:p>
             <a:fld id="{4FC744E5-F94A-4732-87DC-5C91CC583019}" type="datetimeFigureOut">
               <a:rPr lang="pt-BR" smtClean="0"/>
-              <a:t>03/04/2022</a:t>
+              <a:t>04/04/2022</a:t>
             </a:fld>
             <a:endParaRPr lang="pt-BR"/>
           </a:p>
@@ -2821,7 +2821,7 @@
           <a:p>
             <a:fld id="{4FC744E5-F94A-4732-87DC-5C91CC583019}" type="datetimeFigureOut">
               <a:rPr lang="pt-BR" smtClean="0"/>
-              <a:t>03/04/2022</a:t>
+              <a:t>04/04/2022</a:t>
             </a:fld>
             <a:endParaRPr lang="pt-BR"/>
           </a:p>
@@ -2997,7 +2997,7 @@
           <a:p>
             <a:fld id="{4FC744E5-F94A-4732-87DC-5C91CC583019}" type="datetimeFigureOut">
               <a:rPr lang="pt-BR" smtClean="0"/>
-              <a:t>03/04/2022</a:t>
+              <a:t>04/04/2022</a:t>
             </a:fld>
             <a:endParaRPr lang="pt-BR"/>
           </a:p>
@@ -3244,7 +3244,7 @@
           <a:p>
             <a:fld id="{4FC744E5-F94A-4732-87DC-5C91CC583019}" type="datetimeFigureOut">
               <a:rPr lang="pt-BR" smtClean="0"/>
-              <a:t>03/04/2022</a:t>
+              <a:t>04/04/2022</a:t>
             </a:fld>
             <a:endParaRPr lang="pt-BR"/>
           </a:p>
@@ -3476,7 +3476,7 @@
           <a:p>
             <a:fld id="{4FC744E5-F94A-4732-87DC-5C91CC583019}" type="datetimeFigureOut">
               <a:rPr lang="pt-BR" smtClean="0"/>
-              <a:t>03/04/2022</a:t>
+              <a:t>04/04/2022</a:t>
             </a:fld>
             <a:endParaRPr lang="pt-BR"/>
           </a:p>
@@ -3850,7 +3850,7 @@
           <a:p>
             <a:fld id="{4FC744E5-F94A-4732-87DC-5C91CC583019}" type="datetimeFigureOut">
               <a:rPr lang="pt-BR" smtClean="0"/>
-              <a:t>03/04/2022</a:t>
+              <a:t>04/04/2022</a:t>
             </a:fld>
             <a:endParaRPr lang="pt-BR"/>
           </a:p>
@@ -3973,7 +3973,7 @@
           <a:p>
             <a:fld id="{4FC744E5-F94A-4732-87DC-5C91CC583019}" type="datetimeFigureOut">
               <a:rPr lang="pt-BR" smtClean="0"/>
-              <a:t>03/04/2022</a:t>
+              <a:t>04/04/2022</a:t>
             </a:fld>
             <a:endParaRPr lang="pt-BR"/>
           </a:p>
@@ -4068,7 +4068,7 @@
           <a:p>
             <a:fld id="{4FC744E5-F94A-4732-87DC-5C91CC583019}" type="datetimeFigureOut">
               <a:rPr lang="pt-BR" smtClean="0"/>
-              <a:t>03/04/2022</a:t>
+              <a:t>04/04/2022</a:t>
             </a:fld>
             <a:endParaRPr lang="pt-BR"/>
           </a:p>
@@ -4323,7 +4323,7 @@
           <a:p>
             <a:fld id="{4FC744E5-F94A-4732-87DC-5C91CC583019}" type="datetimeFigureOut">
               <a:rPr lang="pt-BR" smtClean="0"/>
-              <a:t>03/04/2022</a:t>
+              <a:t>04/04/2022</a:t>
             </a:fld>
             <a:endParaRPr lang="pt-BR"/>
           </a:p>
@@ -4586,7 +4586,7 @@
           <a:p>
             <a:fld id="{4FC744E5-F94A-4732-87DC-5C91CC583019}" type="datetimeFigureOut">
               <a:rPr lang="pt-BR" smtClean="0"/>
-              <a:t>03/04/2022</a:t>
+              <a:t>04/04/2022</a:t>
             </a:fld>
             <a:endParaRPr lang="pt-BR"/>
           </a:p>
@@ -5329,7 +5329,7 @@
           <a:p>
             <a:fld id="{4FC744E5-F94A-4732-87DC-5C91CC583019}" type="datetimeFigureOut">
               <a:rPr lang="pt-BR" smtClean="0"/>
-              <a:t>03/04/2022</a:t>
+              <a:t>04/04/2022</a:t>
             </a:fld>
             <a:endParaRPr lang="pt-BR"/>
           </a:p>
@@ -5912,8 +5912,68 @@
                 <a:latin typeface="Arial" panose="020B0604020202020204" pitchFamily="34" charset="0"/>
                 <a:cs typeface="Arial" panose="020B0604020202020204" pitchFamily="34" charset="0"/>
               </a:rPr>
-              <a:t>Alunos: Gustavo Guimarães, Lucas Gabriel Almeida, Lucas Henrique e Tiago Henrique</a:t>
-            </a:r>
+              <a:t>Alunos: </a:t>
+            </a:r>
+            <a:r>
+              <a:rPr lang="pt-BR" sz="2300" dirty="0" smtClean="0">
+                <a:latin typeface="Arial" panose="020B0604020202020204" pitchFamily="34" charset="0"/>
+                <a:cs typeface="Arial" panose="020B0604020202020204" pitchFamily="34" charset="0"/>
+              </a:rPr>
+              <a:t>Gustavo Davi Silva </a:t>
+            </a:r>
+            <a:r>
+              <a:rPr lang="pt-BR" sz="2300" dirty="0">
+                <a:latin typeface="Arial" panose="020B0604020202020204" pitchFamily="34" charset="0"/>
+                <a:cs typeface="Arial" panose="020B0604020202020204" pitchFamily="34" charset="0"/>
+              </a:rPr>
+              <a:t>Guimarães, Lucas Gabriel </a:t>
+            </a:r>
+            <a:r>
+              <a:rPr lang="pt-BR" sz="2300" smtClean="0">
+                <a:latin typeface="Arial" panose="020B0604020202020204" pitchFamily="34" charset="0"/>
+                <a:cs typeface="Arial" panose="020B0604020202020204" pitchFamily="34" charset="0"/>
+              </a:rPr>
+              <a:t>Almeida Gomes, </a:t>
+            </a:r>
+            <a:r>
+              <a:rPr lang="pt-BR" sz="2300" dirty="0">
+                <a:latin typeface="Arial" panose="020B0604020202020204" pitchFamily="34" charset="0"/>
+                <a:cs typeface="Arial" panose="020B0604020202020204" pitchFamily="34" charset="0"/>
+              </a:rPr>
+              <a:t>Lucas </a:t>
+            </a:r>
+            <a:r>
+              <a:rPr lang="pt-BR" sz="2300" dirty="0" smtClean="0">
+                <a:latin typeface="Arial" panose="020B0604020202020204" pitchFamily="34" charset="0"/>
+                <a:cs typeface="Arial" panose="020B0604020202020204" pitchFamily="34" charset="0"/>
+              </a:rPr>
+              <a:t>Henrique Pereira Lacerda </a:t>
+            </a:r>
+            <a:r>
+              <a:rPr lang="pt-BR" sz="2300" dirty="0">
+                <a:latin typeface="Arial" panose="020B0604020202020204" pitchFamily="34" charset="0"/>
+                <a:cs typeface="Arial" panose="020B0604020202020204" pitchFamily="34" charset="0"/>
+              </a:rPr>
+              <a:t>e Tiago </a:t>
+            </a:r>
+            <a:r>
+              <a:rPr lang="pt-BR" sz="2300" dirty="0" smtClean="0">
+                <a:latin typeface="Arial" panose="020B0604020202020204" pitchFamily="34" charset="0"/>
+                <a:cs typeface="Arial" panose="020B0604020202020204" pitchFamily="34" charset="0"/>
+              </a:rPr>
+              <a:t>Henrique </a:t>
+            </a:r>
+            <a:r>
+              <a:rPr lang="pt-BR" sz="2300" smtClean="0">
+                <a:latin typeface="Arial" panose="020B0604020202020204" pitchFamily="34" charset="0"/>
+                <a:cs typeface="Arial" panose="020B0604020202020204" pitchFamily="34" charset="0"/>
+              </a:rPr>
+              <a:t>Malta Costa</a:t>
+            </a:r>
+            <a:endParaRPr lang="pt-BR" sz="2300" dirty="0">
+              <a:latin typeface="Arial" panose="020B0604020202020204" pitchFamily="34" charset="0"/>
+              <a:cs typeface="Arial" panose="020B0604020202020204" pitchFamily="34" charset="0"/>
+            </a:endParaRPr>
           </a:p>
         </p:txBody>
       </p:sp>
@@ -6172,7 +6232,15 @@
           <a:p>
             <a:r>
               <a:rPr lang="pt-BR" dirty="0"/>
-              <a:t>	Descrição: mudança da trajetória da rota da viagem do passageiro, levando-o 			para o local de destino errado, prejudicando o motorista selecionado e o passageiro.</a:t>
+              <a:t>	Descrição: </a:t>
+            </a:r>
+            <a:r>
+              <a:rPr lang="pt-BR" dirty="0" smtClean="0"/>
+              <a:t>Mudança </a:t>
+            </a:r>
+            <a:r>
+              <a:rPr lang="pt-BR" dirty="0"/>
+              <a:t>da trajetória da rota da viagem do passageiro, levando-o 			para o local de destino errado, prejudicando o motorista selecionado e o passageiro.</a:t>
             </a:r>
           </a:p>
           <a:p>
@@ -6747,7 +6815,9 @@
           </a:xfrm>
         </p:spPr>
         <p:txBody>
-          <a:bodyPr/>
+          <a:bodyPr>
+            <a:normAutofit/>
+          </a:bodyPr>
           <a:lstStyle/>
           <a:p>
             <a:r>
@@ -6755,23 +6825,69 @@
                 <a:latin typeface="Arial" panose="020B0604020202020204" pitchFamily="34" charset="0"/>
                 <a:cs typeface="Arial" panose="020B0604020202020204" pitchFamily="34" charset="0"/>
               </a:rPr>
-              <a:t>FURPS é um modelo de classificação de atributos e qualidades de um software, podendo ser dividido em funcionalidade, usabilidade, confiabilidade, desempenho e suportabilidade.</a:t>
-            </a:r>
-          </a:p>
-          <a:p>
-            <a:endParaRPr lang="pt-BR" dirty="0">
-              <a:latin typeface="Arial" panose="020B0604020202020204" pitchFamily="34" charset="0"/>
-              <a:cs typeface="Arial" panose="020B0604020202020204" pitchFamily="34" charset="0"/>
-            </a:endParaRPr>
-          </a:p>
-          <a:p>
+              <a:t>FURPS (funcionalidade, usabilidade, confiabilidade, desempenho e </a:t>
+            </a:r>
+            <a:r>
+              <a:rPr lang="pt-BR" dirty="0" err="1" smtClean="0">
+                <a:latin typeface="Arial" panose="020B0604020202020204" pitchFamily="34" charset="0"/>
+                <a:cs typeface="Arial" panose="020B0604020202020204" pitchFamily="34" charset="0"/>
+              </a:rPr>
+              <a:t>suportabilidade</a:t>
+            </a:r>
+            <a:r>
+              <a:rPr lang="pt-BR" dirty="0" smtClean="0">
+                <a:latin typeface="Arial" panose="020B0604020202020204" pitchFamily="34" charset="0"/>
+                <a:cs typeface="Arial" panose="020B0604020202020204" pitchFamily="34" charset="0"/>
+              </a:rPr>
+              <a:t>) </a:t>
+            </a:r>
             <a:r>
               <a:rPr lang="pt-BR" dirty="0">
                 <a:latin typeface="Arial" panose="020B0604020202020204" pitchFamily="34" charset="0"/>
                 <a:cs typeface="Arial" panose="020B0604020202020204" pitchFamily="34" charset="0"/>
               </a:rPr>
-              <a:t>A empresa escolhida para prosseguir com a apresentação desse tema será a Uber, sistema de corridas que pode ser resumido como um aplicativo que lhe permite chamar um motorista cadastrado para te levar de sua localização para um destino especificado pelo usuário utilizando o app.</a:t>
-            </a:r>
+              <a:t>é um modelo de classificação de atributos e qualidades de um </a:t>
+            </a:r>
+            <a:r>
+              <a:rPr lang="pt-BR" dirty="0" smtClean="0">
+                <a:latin typeface="Arial" panose="020B0604020202020204" pitchFamily="34" charset="0"/>
+                <a:cs typeface="Arial" panose="020B0604020202020204" pitchFamily="34" charset="0"/>
+              </a:rPr>
+              <a:t>software.</a:t>
+            </a:r>
+          </a:p>
+          <a:p>
+            <a:r>
+              <a:rPr lang="pt-BR" dirty="0">
+                <a:latin typeface="Arial" panose="020B0604020202020204" pitchFamily="34" charset="0"/>
+                <a:cs typeface="Arial" panose="020B0604020202020204" pitchFamily="34" charset="0"/>
+              </a:rPr>
+              <a:t>O modelo, desenvolvido na Hewlett-Packard, publicamente pela primeira vez foi elaborado por </a:t>
+            </a:r>
+            <a:r>
+              <a:rPr lang="pt-BR" dirty="0" err="1">
+                <a:latin typeface="Arial" panose="020B0604020202020204" pitchFamily="34" charset="0"/>
+                <a:cs typeface="Arial" panose="020B0604020202020204" pitchFamily="34" charset="0"/>
+              </a:rPr>
+              <a:t>Grady</a:t>
+            </a:r>
+            <a:r>
+              <a:rPr lang="pt-BR" dirty="0">
+                <a:latin typeface="Arial" panose="020B0604020202020204" pitchFamily="34" charset="0"/>
+                <a:cs typeface="Arial" panose="020B0604020202020204" pitchFamily="34" charset="0"/>
+              </a:rPr>
+              <a:t> e Carrilho. FURPS agora é amplamente utilizado na indústria de software. O posterior foi adicionado ao modelo após várias campanhas na HP para estender a sigla para enfatizar vários atributos.</a:t>
+            </a:r>
+            <a:endParaRPr lang="pt-BR" dirty="0" smtClean="0">
+              <a:latin typeface="Arial" panose="020B0604020202020204" pitchFamily="34" charset="0"/>
+              <a:cs typeface="Arial" panose="020B0604020202020204" pitchFamily="34" charset="0"/>
+            </a:endParaRPr>
+          </a:p>
+          <a:p>
+            <a:endParaRPr lang="pt-BR" dirty="0" smtClean="0">
+              <a:latin typeface="Arial" panose="020B0604020202020204" pitchFamily="34" charset="0"/>
+              <a:cs typeface="Arial" panose="020B0604020202020204" pitchFamily="34" charset="0"/>
+            </a:endParaRPr>
           </a:p>
         </p:txBody>
       </p:sp>
@@ -6856,7 +6972,7 @@
         </p:spPr>
         <p:txBody>
           <a:bodyPr>
-            <a:normAutofit/>
+            <a:normAutofit fontScale="92500" lnSpcReduction="20000"/>
           </a:bodyPr>
           <a:lstStyle/>
           <a:p>
@@ -6865,7 +6981,69 @@
                 <a:latin typeface="Arial" panose="020B0604020202020204" pitchFamily="34" charset="0"/>
                 <a:cs typeface="Arial" panose="020B0604020202020204" pitchFamily="34" charset="0"/>
               </a:rPr>
-              <a:t>Funcionalidade: Buscar endereços, adicionar paradas e definir o método de pagamento.</a:t>
+              <a:t>A empresa escolhida para prosseguir com a apresentação desse tema será a </a:t>
+            </a:r>
+            <a:r>
+              <a:rPr lang="pt-BR" b="1" dirty="0">
+                <a:latin typeface="Arial" panose="020B0604020202020204" pitchFamily="34" charset="0"/>
+                <a:cs typeface="Arial" panose="020B0604020202020204" pitchFamily="34" charset="0"/>
+              </a:rPr>
+              <a:t>Uber</a:t>
+            </a:r>
+            <a:r>
+              <a:rPr lang="pt-BR" dirty="0">
+                <a:latin typeface="Arial" panose="020B0604020202020204" pitchFamily="34" charset="0"/>
+                <a:cs typeface="Arial" panose="020B0604020202020204" pitchFamily="34" charset="0"/>
+              </a:rPr>
+              <a:t>, sistema de corridas que pode ser resumido como um aplicativo que lhe permite chamar um motorista cadastrado para te levar de sua localização para um destino </a:t>
+            </a:r>
+            <a:r>
+              <a:rPr lang="pt-BR" dirty="0" smtClean="0">
+                <a:latin typeface="Arial" panose="020B0604020202020204" pitchFamily="34" charset="0"/>
+                <a:cs typeface="Arial" panose="020B0604020202020204" pitchFamily="34" charset="0"/>
+              </a:rPr>
+              <a:t>especificado </a:t>
+            </a:r>
+            <a:r>
+              <a:rPr lang="pt-BR" dirty="0">
+                <a:latin typeface="Arial" panose="020B0604020202020204" pitchFamily="34" charset="0"/>
+                <a:cs typeface="Arial" panose="020B0604020202020204" pitchFamily="34" charset="0"/>
+              </a:rPr>
+              <a:t>pelo usuário utilizando o </a:t>
+            </a:r>
+            <a:r>
+              <a:rPr lang="pt-BR" dirty="0" err="1">
+                <a:latin typeface="Arial" panose="020B0604020202020204" pitchFamily="34" charset="0"/>
+                <a:cs typeface="Arial" panose="020B0604020202020204" pitchFamily="34" charset="0"/>
+              </a:rPr>
+              <a:t>app</a:t>
+            </a:r>
+            <a:r>
+              <a:rPr lang="pt-BR" dirty="0" smtClean="0">
+                <a:latin typeface="Arial" panose="020B0604020202020204" pitchFamily="34" charset="0"/>
+                <a:cs typeface="Arial" panose="020B0604020202020204" pitchFamily="34" charset="0"/>
+              </a:rPr>
+              <a:t>.</a:t>
+            </a:r>
+            <a:endParaRPr lang="pt-BR" dirty="0" smtClean="0">
+              <a:latin typeface="Arial" panose="020B0604020202020204" pitchFamily="34" charset="0"/>
+              <a:cs typeface="Arial" panose="020B0604020202020204" pitchFamily="34" charset="0"/>
+            </a:endParaRPr>
+          </a:p>
+          <a:p>
+            <a:r>
+              <a:rPr lang="pt-BR" dirty="0" smtClean="0">
+                <a:latin typeface="Arial" panose="020B0604020202020204" pitchFamily="34" charset="0"/>
+                <a:cs typeface="Arial" panose="020B0604020202020204" pitchFamily="34" charset="0"/>
+              </a:rPr>
+              <a:t>Funcionalidade</a:t>
+            </a:r>
+            <a:r>
+              <a:rPr lang="pt-BR" dirty="0">
+                <a:latin typeface="Arial" panose="020B0604020202020204" pitchFamily="34" charset="0"/>
+                <a:cs typeface="Arial" panose="020B0604020202020204" pitchFamily="34" charset="0"/>
+              </a:rPr>
+              <a:t>: Buscar endereços, adicionar paradas e definir o método de pagamento.</a:t>
             </a:r>
           </a:p>
           <a:p>
@@ -7456,7 +7634,7 @@
         <p:spPr>
           <a:xfrm>
             <a:off x="571500" y="1245870"/>
-            <a:ext cx="9155430" cy="4247317"/>
+            <a:ext cx="9155430" cy="5078313"/>
           </a:xfrm>
           <a:prstGeom prst="rect">
             <a:avLst/>
@@ -7471,8 +7649,21 @@
           <a:p>
             <a:r>
               <a:rPr lang="pt-BR" dirty="0"/>
-              <a:t>2 -	Risco Técnico: Baixa no número atual de motoristas</a:t>
-            </a:r>
+              <a:t>2 -	Risco Técnico: Baixa no número </a:t>
+            </a:r>
+            <a:r>
+              <a:rPr lang="pt-BR" dirty="0" smtClean="0"/>
+              <a:t>corrente </a:t>
+            </a:r>
+            <a:r>
+              <a:rPr lang="pt-BR" dirty="0"/>
+              <a:t>de </a:t>
+            </a:r>
+            <a:r>
+              <a:rPr lang="pt-BR" dirty="0" smtClean="0"/>
+              <a:t>motoristas.</a:t>
+            </a:r>
+            <a:endParaRPr lang="pt-BR" dirty="0"/>
           </a:p>
           <a:p>
             <a:endParaRPr lang="pt-BR" dirty="0"/>
@@ -7489,17 +7680,35 @@
           <a:p>
             <a:r>
               <a:rPr lang="pt-BR" dirty="0"/>
-              <a:t>	Descrição: Não terá motoristas disponíveis para executar as corridas.</a:t>
-            </a:r>
-          </a:p>
-          <a:p>
+              <a:t>	Descrição: Não terá motoristas disponíveis para executar as </a:t>
+            </a:r>
+            <a:r>
+              <a:rPr lang="pt-BR" dirty="0" smtClean="0"/>
+              <a:t>corridas e 	terminar o processo “perfeito” de funcionamento do </a:t>
+            </a:r>
+            <a:r>
+              <a:rPr lang="pt-BR" dirty="0" err="1" smtClean="0"/>
+              <a:t>app</a:t>
+            </a:r>
+            <a:r>
+              <a:rPr lang="pt-BR" dirty="0" smtClean="0"/>
+              <a:t>.</a:t>
+            </a:r>
             <a:endParaRPr lang="pt-BR" dirty="0"/>
           </a:p>
           <a:p>
+            <a:endParaRPr lang="pt-BR" dirty="0"/>
+          </a:p>
+          <a:p>
             <a:r>
               <a:rPr lang="pt-BR" dirty="0"/>
-              <a:t>	Impactos: O usuário não vai chegar no destino em tempo hábil </a:t>
-            </a:r>
+              <a:t>	Impactos: </a:t>
+            </a:r>
+            <a:r>
+              <a:rPr lang="pt-BR" dirty="0" smtClean="0"/>
+              <a:t>Diminuição na confiabilidade do sistema; Perca de usuários e 	consequentemente de receitas.</a:t>
+            </a:r>
+            <a:endParaRPr lang="pt-BR" dirty="0"/>
           </a:p>
           <a:p>
             <a:r>
@@ -7510,8 +7719,13 @@
           <a:p>
             <a:r>
               <a:rPr lang="pt-BR" dirty="0"/>
-              <a:t>	Indicadores: Demora na hora de encontrar um motorista </a:t>
-            </a:r>
+              <a:t>	Indicadores: </a:t>
+            </a:r>
+            <a:r>
+              <a:rPr lang="pt-BR" dirty="0" smtClean="0"/>
+              <a:t>Tempo para inicio de corridas maior que X definido; Aumento do 	número de corridas canceladas por não encontro de oferta.</a:t>
+            </a:r>
+            <a:endParaRPr lang="pt-BR" dirty="0"/>
           </a:p>
           <a:p>
             <a:r>
@@ -7522,8 +7736,21 @@
           <a:p>
             <a:r>
               <a:rPr lang="pt-BR" dirty="0"/>
-              <a:t>	Estratégia de mitigação: O sistema sempre está em busca de novos motoristas 			para evitar esse erro </a:t>
-            </a:r>
+              <a:t>	Estratégia de mitigação: </a:t>
+            </a:r>
+            <a:r>
+              <a:rPr lang="pt-BR" dirty="0" smtClean="0"/>
+              <a:t>Desenvolvimento de sistema que identifique o 	cenário e libere promoções que incentivem os motoristas a utilizarem o </a:t>
+            </a:r>
+            <a:r>
+              <a:rPr lang="pt-BR" dirty="0" err="1" smtClean="0"/>
+              <a:t>app</a:t>
+            </a:r>
+            <a:r>
+              <a:rPr lang="pt-BR" dirty="0" smtClean="0"/>
+              <a:t>.</a:t>
+            </a:r>
+            <a:endParaRPr lang="pt-BR" dirty="0"/>
           </a:p>
           <a:p>
             <a:r>
@@ -7534,8 +7761,13 @@
           <a:p>
             <a:r>
               <a:rPr lang="pt-BR" dirty="0"/>
-              <a:t>	Plano de Contingência: Busca de motoristas em locais mais distantes do local 			atual do usuário</a:t>
-            </a:r>
+              <a:t>	Plano de Contingência</a:t>
+            </a:r>
+            <a:r>
+              <a:rPr lang="pt-BR" dirty="0" smtClean="0"/>
+              <a:t>: Busca de motoristas em locais mais distantes do local 	atual do usuário.</a:t>
+            </a:r>
+            <a:endParaRPr lang="pt-BR" dirty="0"/>
           </a:p>
         </p:txBody>
       </p:sp>

--- a/Gestão e Qualidade de software 03-04.pptx
+++ b/Gestão e Qualidade de software 03-04.pptx
@@ -6507,7 +6507,7 @@
         <p:spPr>
           <a:xfrm>
             <a:off x="445770" y="1028700"/>
-            <a:ext cx="9155430" cy="4801314"/>
+            <a:ext cx="9155430" cy="5355312"/>
           </a:xfrm>
           <a:prstGeom prst="rect">
             <a:avLst/>
@@ -6521,12 +6521,24 @@
           <a:lstStyle/>
           <a:p>
             <a:r>
+              <a:rPr lang="pt-BR" dirty="0" smtClean="0"/>
+              <a:t>9 - 	Risco Técnico</a:t>
+            </a:r>
+            <a:r>
               <a:rPr lang="pt-BR" dirty="0"/>
-              <a:t>9 - 	Risco Técnico: Risco de invasões ao sistema</a:t>
-            </a:r>
-          </a:p>
-          <a:p>
-            <a:endParaRPr lang="pt-BR" dirty="0"/>
+              <a:t>: </a:t>
+            </a:r>
+            <a:r>
+              <a:rPr lang="pt-BR" dirty="0" smtClean="0"/>
+              <a:t>Falha </a:t>
+            </a:r>
+            <a:r>
+              <a:rPr lang="pt-BR" dirty="0"/>
+              <a:t>de funcionamento de funcionalidade</a:t>
+            </a:r>
+          </a:p>
+          <a:p>
+            <a:endParaRPr lang="pt-BR" dirty="0" smtClean="0"/>
           </a:p>
           <a:p>
             <a:r>
@@ -6540,13 +6552,25 @@
           <a:p>
             <a:r>
               <a:rPr lang="pt-BR" dirty="0"/>
-              <a:t>	Descrição: Invasão do sistema por terceiros que pode resultar em roubo. 	</a:t>
-            </a:r>
+              <a:t>	Descrição: </a:t>
+            </a:r>
+            <a:r>
+              <a:rPr lang="pt-BR" dirty="0" smtClean="0"/>
+              <a:t>Uma funcionalidade específica (requisito funcional) para de 	funcionar. </a:t>
+            </a:r>
+            <a:endParaRPr lang="pt-BR" dirty="0"/>
+          </a:p>
+          <a:p>
+            <a:endParaRPr lang="pt-BR" dirty="0"/>
           </a:p>
           <a:p>
             <a:r>
               <a:rPr lang="pt-BR" dirty="0"/>
-              <a:t>	Impactos: Penalização judicial por vazamento de dados além do roubo do 	usuário. </a:t>
+              <a:t>	Impactos</a:t>
+            </a:r>
+            <a:r>
+              <a:rPr lang="pt-BR" dirty="0" smtClean="0"/>
+              <a:t>: Diminuição no fluxo de utilização; Diminuição da confiabilidade e 	rate de avaliação do software.</a:t>
             </a:r>
           </a:p>
           <a:p>
@@ -6555,17 +6579,27 @@
           <a:p>
             <a:r>
               <a:rPr lang="pt-BR" dirty="0"/>
-              <a:t>	Indicadores: Sempre estar atento com a segurança do sistema, fazendo 	ajustes constantes para conter os riscos de invasões. </a:t>
-            </a:r>
-          </a:p>
-          <a:p>
+              <a:t>	Indicadores: </a:t>
+            </a:r>
+            <a:r>
+              <a:rPr lang="pt-BR" dirty="0" smtClean="0"/>
+              <a:t>Reclamações por parte de usuários; Testes de funcionamento por 	times internos.</a:t>
+            </a:r>
             <a:endParaRPr lang="pt-BR" dirty="0"/>
           </a:p>
           <a:p>
+            <a:endParaRPr lang="pt-BR" dirty="0"/>
+          </a:p>
+          <a:p>
             <a:r>
               <a:rPr lang="pt-BR" dirty="0"/>
-              <a:t>	Estratégia de Mitigação: Analise constante e criptografia dos dados para 	contas com CPF diferente do cadastrado. </a:t>
-            </a:r>
+              <a:t>	Estratégia de </a:t>
+            </a:r>
+            <a:r>
+              <a:rPr lang="pt-BR" dirty="0" smtClean="0"/>
+              <a:t>Mitigação: Aumento na quantidade e frequência de testes de 	novas funcionalidades e de componentes legado; Implementação de rotina de 	auditoria de avaliações e reclamações;</a:t>
+            </a:r>
+            <a:endParaRPr lang="pt-BR" dirty="0"/>
           </a:p>
           <a:p>
             <a:r>
@@ -6576,8 +6610,13 @@
           <a:p>
             <a:r>
               <a:rPr lang="pt-BR" dirty="0"/>
-              <a:t>	Plano de Contingência: O Aplicativo trancará a conta temporariamente caso 	ocorra uma invasão</a:t>
-            </a:r>
+              <a:t>	Plano de </a:t>
+            </a:r>
+            <a:r>
+              <a:rPr lang="pt-BR" dirty="0" smtClean="0"/>
+              <a:t>Contingência: Identificação da funcionalidade afetada, definição da 	gravidade da falha e recolocação de pessoal para a correção da mesma.</a:t>
+            </a:r>
+            <a:endParaRPr lang="pt-BR" dirty="0"/>
           </a:p>
         </p:txBody>
       </p:sp>
@@ -7018,10 +7057,6 @@
               </a:rPr>
               <a:t>.</a:t>
             </a:r>
-            <a:endParaRPr lang="pt-BR" dirty="0" smtClean="0">
-              <a:latin typeface="Arial" panose="020B0604020202020204" pitchFamily="34" charset="0"/>
-              <a:cs typeface="Arial" panose="020B0604020202020204" pitchFamily="34" charset="0"/>
-            </a:endParaRPr>
           </a:p>
           <a:p>
             <a:r>
@@ -7444,9 +7479,10 @@
           </a:p>
           <a:p>
             <a:r>
-              <a:rPr lang="pt-BR" dirty="0"/>
-              <a:t>9. Risco de invasões ao sistema </a:t>
-            </a:r>
+              <a:rPr lang="pt-BR" dirty="0" smtClean="0"/>
+              <a:t>9. Falha de funcionamento de funcionalidade</a:t>
+            </a:r>
+            <a:endParaRPr lang="pt-BR" dirty="0"/>
           </a:p>
           <a:p>
             <a:r>

--- a/Gestão e Qualidade de software 03-04.pptx
+++ b/Gestão e Qualidade de software 03-04.pptx
@@ -7480,7 +7480,15 @@
           <a:p>
             <a:r>
               <a:rPr lang="pt-BR" dirty="0" smtClean="0"/>
-              <a:t>9. Falha de funcionamento de funcionalidade</a:t>
+              <a:t>9. Falha </a:t>
+            </a:r>
+            <a:r>
+              <a:rPr lang="pt-BR" smtClean="0"/>
+              <a:t>de </a:t>
+            </a:r>
+            <a:r>
+              <a:rPr lang="pt-BR" smtClean="0"/>
+              <a:t>funcionalidade</a:t>
             </a:r>
             <a:endParaRPr lang="pt-BR" dirty="0"/>
           </a:p>

--- a/Gestão e Qualidade de software 03-04.pptx
+++ b/Gestão e Qualidade de software 03-04.pptx
@@ -6529,13 +6529,14 @@
               <a:t>: </a:t>
             </a:r>
             <a:r>
-              <a:rPr lang="pt-BR" dirty="0" smtClean="0"/>
+              <a:rPr lang="pt-BR" smtClean="0"/>
               <a:t>Falha </a:t>
             </a:r>
             <a:r>
-              <a:rPr lang="pt-BR" dirty="0"/>
-              <a:t>de funcionamento de funcionalidade</a:t>
-            </a:r>
+              <a:rPr lang="pt-BR" smtClean="0"/>
+              <a:t>de funcionalidade</a:t>
+            </a:r>
+            <a:endParaRPr lang="pt-BR" dirty="0"/>
           </a:p>
           <a:p>
             <a:endParaRPr lang="pt-BR" dirty="0" smtClean="0"/>
@@ -7484,11 +7485,7 @@
             </a:r>
             <a:r>
               <a:rPr lang="pt-BR" smtClean="0"/>
-              <a:t>de </a:t>
-            </a:r>
-            <a:r>
-              <a:rPr lang="pt-BR" smtClean="0"/>
-              <a:t>funcionalidade</a:t>
+              <a:t>de funcionalidade</a:t>
             </a:r>
             <a:endParaRPr lang="pt-BR" dirty="0"/>
           </a:p>
